--- a/20250_Uday/UI_MockUp/User Interface Mockup.pptx
+++ b/20250_Uday/UI_MockUp/User Interface Mockup.pptx
@@ -4113,6 +4113,22 @@
             </a:pPr>
             <a:endParaRPr lang="en-US"/>
           </a:p>
+          <a:p>
+            <a:pPr marL="0" indent="0">
+              <a:buNone/>
+            </a:pPr>
+            <a:endParaRPr lang="en-US"/>
+          </a:p>
+          <a:p>
+            <a:pPr marL="0" indent="0">
+              <a:buNone/>
+            </a:pPr>
+            <a:r>
+              <a:rPr lang="en-IN" altLang="en-US"/>
+              <a:t>         Bookmark</a:t>
+            </a:r>
+            <a:endParaRPr lang="en-IN" altLang="en-US"/>
+          </a:p>
         </p:txBody>
       </p:sp>
       <p:sp>
@@ -4629,6 +4645,201 @@
           </a:p>
         </p:txBody>
       </p:sp>
+      <p:sp>
+        <p:nvSpPr>
+          <p:cNvPr id="18" name="5-Point Star 17"/>
+          <p:cNvSpPr/>
+          <p:nvPr/>
+        </p:nvSpPr>
+        <p:spPr>
+          <a:xfrm>
+            <a:off x="4720590" y="2869565"/>
+            <a:ext cx="288925" cy="186690"/>
+          </a:xfrm>
+          <a:prstGeom prst="star5">
+            <a:avLst/>
+          </a:prstGeom>
+        </p:spPr>
+        <p:style>
+          <a:lnRef idx="2">
+            <a:schemeClr val="accent1">
+              <a:shade val="50000"/>
+            </a:schemeClr>
+          </a:lnRef>
+          <a:fillRef idx="1">
+            <a:schemeClr val="accent1"/>
+          </a:fillRef>
+          <a:effectRef idx="0">
+            <a:schemeClr val="accent1"/>
+          </a:effectRef>
+          <a:fontRef idx="minor">
+            <a:schemeClr val="lt1"/>
+          </a:fontRef>
+        </p:style>
+        <p:txBody>
+          <a:bodyPr rtlCol="0" anchor="ctr"/>
+          <a:p>
+            <a:pPr algn="ctr"/>
+            <a:endParaRPr lang="en-US"/>
+          </a:p>
+        </p:txBody>
+      </p:sp>
+      <p:sp>
+        <p:nvSpPr>
+          <p:cNvPr id="19" name="5-Point Star 18"/>
+          <p:cNvSpPr/>
+          <p:nvPr/>
+        </p:nvSpPr>
+        <p:spPr>
+          <a:xfrm>
+            <a:off x="4720590" y="3734435"/>
+            <a:ext cx="288925" cy="186690"/>
+          </a:xfrm>
+          <a:prstGeom prst="star5">
+            <a:avLst/>
+          </a:prstGeom>
+          <a:solidFill>
+            <a:srgbClr val="FFC000"/>
+          </a:solidFill>
+        </p:spPr>
+        <p:style>
+          <a:lnRef idx="2">
+            <a:schemeClr val="accent1">
+              <a:shade val="50000"/>
+            </a:schemeClr>
+          </a:lnRef>
+          <a:fillRef idx="1">
+            <a:schemeClr val="accent1"/>
+          </a:fillRef>
+          <a:effectRef idx="0">
+            <a:schemeClr val="accent1"/>
+          </a:effectRef>
+          <a:fontRef idx="minor">
+            <a:schemeClr val="lt1"/>
+          </a:fontRef>
+        </p:style>
+        <p:txBody>
+          <a:bodyPr rtlCol="0" anchor="ctr"/>
+          <a:p>
+            <a:pPr algn="ctr"/>
+            <a:endParaRPr lang="en-US"/>
+          </a:p>
+        </p:txBody>
+      </p:sp>
+      <p:sp>
+        <p:nvSpPr>
+          <p:cNvPr id="20" name="5-Point Star 19"/>
+          <p:cNvSpPr/>
+          <p:nvPr/>
+        </p:nvSpPr>
+        <p:spPr>
+          <a:xfrm>
+            <a:off x="4737100" y="4442460"/>
+            <a:ext cx="288925" cy="186690"/>
+          </a:xfrm>
+          <a:prstGeom prst="star5">
+            <a:avLst/>
+          </a:prstGeom>
+          <a:solidFill>
+            <a:srgbClr val="FFC000"/>
+          </a:solidFill>
+        </p:spPr>
+        <p:style>
+          <a:lnRef idx="2">
+            <a:schemeClr val="accent1">
+              <a:shade val="50000"/>
+            </a:schemeClr>
+          </a:lnRef>
+          <a:fillRef idx="1">
+            <a:schemeClr val="accent1"/>
+          </a:fillRef>
+          <a:effectRef idx="0">
+            <a:schemeClr val="accent1"/>
+          </a:effectRef>
+          <a:fontRef idx="minor">
+            <a:schemeClr val="lt1"/>
+          </a:fontRef>
+        </p:style>
+        <p:txBody>
+          <a:bodyPr rtlCol="0" anchor="ctr"/>
+          <a:p>
+            <a:pPr algn="ctr"/>
+            <a:endParaRPr lang="en-US"/>
+          </a:p>
+        </p:txBody>
+      </p:sp>
+      <p:sp>
+        <p:nvSpPr>
+          <p:cNvPr id="21" name="5-Point Star 20"/>
+          <p:cNvSpPr/>
+          <p:nvPr/>
+        </p:nvSpPr>
+        <p:spPr>
+          <a:xfrm>
+            <a:off x="4737100" y="5284470"/>
+            <a:ext cx="288925" cy="186690"/>
+          </a:xfrm>
+          <a:prstGeom prst="star5">
+            <a:avLst/>
+          </a:prstGeom>
+        </p:spPr>
+        <p:style>
+          <a:lnRef idx="2">
+            <a:schemeClr val="accent1">
+              <a:shade val="50000"/>
+            </a:schemeClr>
+          </a:lnRef>
+          <a:fillRef idx="1">
+            <a:schemeClr val="accent1"/>
+          </a:fillRef>
+          <a:effectRef idx="0">
+            <a:schemeClr val="accent1"/>
+          </a:effectRef>
+          <a:fontRef idx="minor">
+            <a:schemeClr val="lt1"/>
+          </a:fontRef>
+        </p:style>
+        <p:txBody>
+          <a:bodyPr rtlCol="0" anchor="ctr"/>
+          <a:p>
+            <a:pPr algn="ctr"/>
+            <a:endParaRPr lang="en-US"/>
+          </a:p>
+        </p:txBody>
+      </p:sp>
+      <p:cxnSp>
+        <p:nvCxnSpPr>
+          <p:cNvPr id="22" name="Straight Arrow Connector 21"/>
+          <p:cNvCxnSpPr/>
+          <p:nvPr/>
+        </p:nvCxnSpPr>
+        <p:spPr>
+          <a:xfrm flipH="1">
+            <a:off x="3228340" y="2968625"/>
+            <a:ext cx="1328420" cy="14605"/>
+          </a:xfrm>
+          <a:prstGeom prst="straightConnector1">
+            <a:avLst/>
+          </a:prstGeom>
+          <a:ln>
+            <a:tailEnd type="arrow"/>
+          </a:ln>
+        </p:spPr>
+        <p:style>
+          <a:lnRef idx="1">
+            <a:schemeClr val="accent1"/>
+          </a:lnRef>
+          <a:fillRef idx="0">
+            <a:schemeClr val="accent1"/>
+          </a:fillRef>
+          <a:effectRef idx="0">
+            <a:schemeClr val="accent1"/>
+          </a:effectRef>
+          <a:fontRef idx="minor">
+            <a:schemeClr val="tx1"/>
+          </a:fontRef>
+        </p:style>
+      </p:cxnSp>
     </p:spTree>
   </p:cSld>
   <p:clrMapOvr>
